--- a/presentation/presentation.pptx
+++ b/presentation/presentation.pptx
@@ -16558,29 +16558,29 @@
         </p:spPr>
         <p:txBody>
           <a:bodyPr spcFirstLastPara="1" wrap="square" lIns="91425" tIns="45700" rIns="91425" bIns="45700" anchor="t" anchorCtr="0">
-            <a:normAutofit fontScale="85000" lnSpcReduction="20000"/>
+            <a:normAutofit lnSpcReduction="10000"/>
           </a:bodyPr>
           <a:lstStyle/>
           <a:p>
-            <a:pPr marL="0" lvl="0" indent="0" algn="just" rtl="0">
+            <a:pPr marL="0" lvl="0" indent="0" algn="just">
               <a:lnSpc>
                 <a:spcPct val="135714"/>
               </a:lnSpc>
               <a:spcBef>
                 <a:spcPts val="0"/>
               </a:spcBef>
-              <a:spcAft>
-                <a:spcPts val="0"/>
-              </a:spcAft>
               <a:buClr>
                 <a:schemeClr val="dk1"/>
               </a:buClr>
               <a:buSzPct val="45833"/>
-              <a:buNone/>
             </a:pPr>
             <a:r>
+              <a:rPr lang="en-GB" dirty="0"/>
+              <a:t>The growing use of technology has enabled sophisticated fraud schemes at lower costs, with scam-related frauds rising by 56% in 2024, surpassing digital payment fraud (PYMNTS, 2024). </a:t>
+            </a:r>
+            <a:r>
               <a:rPr lang="en-US" dirty="0"/>
-              <a:t>Fraud trends vary by region, with West and Southern Africa facing increased  scams, while Asia deals with telecommunication fraud. Commercial banks and health insurers are the most affected, with identity fraud making up 45% of cases in 2023 and expected to reach 50% by year-end. Scam-related frauds have surged by 56% in 2024, surpassing digital payment fraud, with scams now comprising 23% of fraudulent transactions. In Kenya, financial fraud is rising, exemplified by </a:t>
+              <a:t>In Kenya, financial fraud is rising, exemplified by </a:t>
             </a:r>
             <a:r>
               <a:rPr lang="en-US" dirty="0" err="1"/>
@@ -17704,7 +17704,7 @@
               <a:buAutoNum type="arabicPeriod"/>
             </a:pPr>
             <a:r>
-              <a:rPr lang="en-US" sz="2800" dirty="0">
+              <a:rPr lang="en-US" sz="2800" dirty="0" err="1">
                 <a:solidFill>
                   <a:schemeClr val="lt1"/>
                 </a:solidFill>
@@ -17713,7 +17713,19 @@
                 <a:cs typeface="Gill Sans"/>
                 <a:sym typeface="Gill Sans"/>
               </a:rPr>
-              <a:t>Analyze card transaction patterns to detect fraudulent activity.</a:t>
+              <a:t>Analyse</a:t>
+            </a:r>
+            <a:r>
+              <a:rPr lang="en-US" sz="2800" dirty="0">
+                <a:solidFill>
+                  <a:schemeClr val="lt1"/>
+                </a:solidFill>
+                <a:latin typeface="Franklin Gothic Demi" panose="020B0703020102020204" pitchFamily="34" charset="0"/>
+                <a:ea typeface="Gill Sans"/>
+                <a:cs typeface="Gill Sans"/>
+                <a:sym typeface="Gill Sans"/>
+              </a:rPr>
+              <a:t> transaction patterns to detect fraudulent activity.</a:t>
             </a:r>
             <a:endParaRPr sz="2800" dirty="0">
               <a:solidFill>
